--- a/src/docs/extends_stigmata.pptx
+++ b/src/docs/extends_stigmata.pptx
@@ -5,7 +5,7 @@
     <p:sldMasterId id="2147483672" r:id="rId1"/>
   </p:sldMasterIdLst>
   <p:notesMasterIdLst>
-    <p:notesMasterId r:id="rId13"/>
+    <p:notesMasterId r:id="rId16"/>
   </p:notesMasterIdLst>
   <p:sldIdLst>
     <p:sldId id="256" r:id="rId2"/>
@@ -19,6 +19,9 @@
     <p:sldId id="264" r:id="rId10"/>
     <p:sldId id="265" r:id="rId11"/>
     <p:sldId id="266" r:id="rId12"/>
+    <p:sldId id="267" r:id="rId13"/>
+    <p:sldId id="268" r:id="rId14"/>
+    <p:sldId id="269" r:id="rId15"/>
   </p:sldIdLst>
   <p:sldSz cx="9906000" cy="6858000" type="A4"/>
   <p:notesSz cx="7099300" cy="10234613"/>
@@ -202,7 +205,7 @@
           <a:p>
             <a:fld id="{54899462-6249-4CA5-B2C9-DBECEACABED8}" type="datetimeFigureOut">
               <a:rPr kumimoji="1" lang="ja-JP" altLang="en-US" smtClean="0"/>
-              <a:t>2011/4/13</a:t>
+              <a:t>2011/5/6</a:t>
             </a:fld>
             <a:endParaRPr kumimoji="1" lang="ja-JP" altLang="en-US"/>
           </a:p>
@@ -5106,11 +5109,18 @@
           <a:p>
             <a:r>
               <a:rPr kumimoji="1" lang="en-US" altLang="ja-JP" dirty="0" smtClean="0"/>
-              <a:t>Stigmata</a:t>
+              <a:t>Stigmata 3.0.0-SNAPSHOT</a:t>
+            </a:r>
+            <a:br>
+              <a:rPr kumimoji="1" lang="en-US" altLang="ja-JP" dirty="0" smtClean="0"/>
+            </a:br>
+            <a:r>
+              <a:rPr lang="ja-JP" altLang="en-US" dirty="0" smtClean="0"/>
+              <a:t>拡張</a:t>
             </a:r>
             <a:r>
               <a:rPr lang="ja-JP" altLang="en-US" dirty="0"/>
-              <a:t>拡張方法</a:t>
+              <a:t>方法</a:t>
             </a:r>
             <a:endParaRPr kumimoji="1" lang="ja-JP" altLang="en-US" dirty="0"/>
           </a:p>
@@ -5254,7 +5264,42 @@
           <a:lstStyle/>
           <a:p>
             <a:r>
-              <a:rPr kumimoji="1" lang="en-US" altLang="ja-JP" dirty="0" err="1" smtClean="0"/>
+              <a:rPr kumimoji="1" lang="ja-JP" altLang="en-US" sz="2400" dirty="0" smtClean="0">
+                <a:latin typeface="Courier New" pitchFamily="49" charset="0"/>
+                <a:cs typeface="Courier New" pitchFamily="49" charset="0"/>
+              </a:rPr>
+              <a:t>バースマークの実装例</a:t>
+            </a:r>
+            <a:r>
+              <a:rPr kumimoji="1" lang="ja-JP" altLang="en-US" sz="2400" dirty="0" smtClean="0">
+                <a:cs typeface="Courier New" pitchFamily="49" charset="0"/>
+              </a:rPr>
+              <a:t> </a:t>
+            </a:r>
+            <a:r>
+              <a:rPr kumimoji="1" lang="en-US" altLang="ja-JP" sz="2400" dirty="0" smtClean="0">
+                <a:cs typeface="Courier New" pitchFamily="49" charset="0"/>
+              </a:rPr>
+              <a:t>(4/5)</a:t>
+            </a:r>
+            <a:r>
+              <a:rPr kumimoji="1" lang="en-US" altLang="ja-JP" sz="2400" dirty="0" smtClean="0">
+                <a:latin typeface="Courier New" pitchFamily="49" charset="0"/>
+                <a:cs typeface="Courier New" pitchFamily="49" charset="0"/>
+              </a:rPr>
+              <a:t/>
+            </a:r>
+            <a:br>
+              <a:rPr kumimoji="1" lang="en-US" altLang="ja-JP" sz="2400" dirty="0" smtClean="0">
+                <a:latin typeface="Courier New" pitchFamily="49" charset="0"/>
+                <a:cs typeface="Courier New" pitchFamily="49" charset="0"/>
+              </a:rPr>
+            </a:br>
+            <a:r>
+              <a:rPr kumimoji="1" lang="en-US" altLang="ja-JP" dirty="0" err="1" smtClean="0">
+                <a:latin typeface="Courier New" pitchFamily="49" charset="0"/>
+                <a:cs typeface="Courier New" pitchFamily="49" charset="0"/>
+              </a:rPr>
               <a:t>BirthmarkComparator</a:t>
             </a:r>
             <a:r>
@@ -5275,12 +5320,7 @@
             <p:ph idx="1"/>
           </p:nvPr>
         </p:nvSpPr>
-        <p:spPr>
-          <a:xfrm>
-            <a:off x="495300" y="1600202"/>
-            <a:ext cx="8915400" cy="4133055"/>
-          </a:xfrm>
-        </p:spPr>
+        <p:spPr/>
         <p:txBody>
           <a:bodyPr>
             <a:normAutofit fontScale="70000" lnSpcReduction="20000"/>
@@ -5304,10 +5344,16 @@
           <a:p>
             <a:pPr lvl="2"/>
             <a:r>
-              <a:rPr lang="en-US" altLang="ja-JP" dirty="0" err="1" smtClean="0"/>
+              <a:rPr lang="en-US" altLang="ja-JP" dirty="0" err="1" smtClean="0">
+                <a:latin typeface="Courier New" pitchFamily="49" charset="0"/>
+                <a:cs typeface="Courier New" pitchFamily="49" charset="0"/>
+              </a:rPr>
               <a:t>CosineSimilarityBirthmarkComparator</a:t>
             </a:r>
-            <a:endParaRPr lang="en-US" altLang="ja-JP" dirty="0" smtClean="0"/>
+            <a:endParaRPr lang="en-US" altLang="ja-JP" dirty="0" smtClean="0">
+              <a:latin typeface="Courier New" pitchFamily="49" charset="0"/>
+              <a:cs typeface="Courier New" pitchFamily="49" charset="0"/>
+            </a:endParaRPr>
           </a:p>
           <a:p>
             <a:pPr lvl="1"/>
@@ -5324,10 +5370,16 @@
           <a:p>
             <a:pPr lvl="2"/>
             <a:r>
-              <a:rPr lang="en-US" altLang="ja-JP" dirty="0" err="1" smtClean="0"/>
+              <a:rPr lang="en-US" altLang="ja-JP" dirty="0" err="1" smtClean="0">
+                <a:latin typeface="Courier New" pitchFamily="49" charset="0"/>
+                <a:cs typeface="Courier New" pitchFamily="49" charset="0"/>
+              </a:rPr>
               <a:t>DPMatchingBirthmarkComparator</a:t>
             </a:r>
-            <a:endParaRPr lang="en-US" altLang="ja-JP" dirty="0" smtClean="0"/>
+            <a:endParaRPr lang="en-US" altLang="ja-JP" dirty="0" smtClean="0">
+              <a:latin typeface="Courier New" pitchFamily="49" charset="0"/>
+              <a:cs typeface="Courier New" pitchFamily="49" charset="0"/>
+            </a:endParaRPr>
           </a:p>
           <a:p>
             <a:pPr lvl="1"/>
@@ -5344,10 +5396,16 @@
           <a:p>
             <a:pPr lvl="2"/>
             <a:r>
-              <a:rPr lang="en-US" altLang="ja-JP" dirty="0" err="1" smtClean="0"/>
+              <a:rPr lang="en-US" altLang="ja-JP" dirty="0" err="1" smtClean="0">
+                <a:latin typeface="Courier New" pitchFamily="49" charset="0"/>
+                <a:cs typeface="Courier New" pitchFamily="49" charset="0"/>
+              </a:rPr>
               <a:t>EditDistanceBirthmarkComparator</a:t>
             </a:r>
-            <a:endParaRPr lang="en-US" altLang="ja-JP" dirty="0" smtClean="0"/>
+            <a:endParaRPr lang="en-US" altLang="ja-JP" dirty="0" smtClean="0">
+              <a:latin typeface="Courier New" pitchFamily="49" charset="0"/>
+              <a:cs typeface="Courier New" pitchFamily="49" charset="0"/>
+            </a:endParaRPr>
           </a:p>
           <a:p>
             <a:pPr lvl="1"/>
@@ -5363,10 +5421,16 @@
           <a:p>
             <a:pPr lvl="2"/>
             <a:r>
-              <a:rPr kumimoji="1" lang="en-US" altLang="ja-JP" dirty="0" err="1" smtClean="0"/>
+              <a:rPr kumimoji="1" lang="en-US" altLang="ja-JP" dirty="0" err="1" smtClean="0">
+                <a:latin typeface="Courier New" pitchFamily="49" charset="0"/>
+                <a:cs typeface="Courier New" pitchFamily="49" charset="0"/>
+              </a:rPr>
               <a:t>LogicalAndBirthmarkComparator</a:t>
             </a:r>
-            <a:endParaRPr kumimoji="1" lang="en-US" altLang="ja-JP" dirty="0" smtClean="0"/>
+            <a:endParaRPr kumimoji="1" lang="en-US" altLang="ja-JP" dirty="0" smtClean="0">
+              <a:latin typeface="Courier New" pitchFamily="49" charset="0"/>
+              <a:cs typeface="Courier New" pitchFamily="49" charset="0"/>
+            </a:endParaRPr>
           </a:p>
           <a:p>
             <a:pPr lvl="1"/>
@@ -5397,10 +5461,16 @@
           <a:p>
             <a:pPr lvl="2"/>
             <a:r>
-              <a:rPr kumimoji="1" lang="en-US" altLang="ja-JP" dirty="0" err="1" smtClean="0"/>
+              <a:rPr kumimoji="1" lang="en-US" altLang="ja-JP" dirty="0" err="1" smtClean="0">
+                <a:latin typeface="Courier New" pitchFamily="49" charset="0"/>
+                <a:cs typeface="Courier New" pitchFamily="49" charset="0"/>
+              </a:rPr>
               <a:t>PlainBirthmarkComparator</a:t>
             </a:r>
-            <a:endParaRPr kumimoji="1" lang="en-US" altLang="ja-JP" dirty="0" smtClean="0"/>
+            <a:endParaRPr kumimoji="1" lang="en-US" altLang="ja-JP" dirty="0" smtClean="0">
+              <a:latin typeface="Courier New" pitchFamily="49" charset="0"/>
+              <a:cs typeface="Courier New" pitchFamily="49" charset="0"/>
+            </a:endParaRPr>
           </a:p>
           <a:p>
             <a:endParaRPr lang="en-US" altLang="ja-JP" dirty="0" smtClean="0"/>
@@ -5469,7 +5539,7 @@
         <p:spPr>
           <a:xfrm>
             <a:off x="1347674" y="5733256"/>
-            <a:ext cx="6655989" cy="369332"/>
+            <a:ext cx="8089074" cy="369332"/>
           </a:xfrm>
           <a:prstGeom prst="rect">
             <a:avLst/>
@@ -5487,11 +5557,17 @@
               <a:t>全て </a:t>
             </a:r>
             <a:r>
-              <a:rPr kumimoji="1" lang="en-US" altLang="ja-JP" dirty="0" err="1" smtClean="0"/>
+              <a:rPr kumimoji="1" lang="en-US" altLang="ja-JP" dirty="0" err="1" smtClean="0">
+                <a:latin typeface="Courier New" pitchFamily="49" charset="0"/>
+                <a:cs typeface="Courier New" pitchFamily="49" charset="0"/>
+              </a:rPr>
               <a:t>jp.sourceforge.stigmata.birthmark</a:t>
             </a:r>
             <a:r>
-              <a:rPr lang="en-US" altLang="ja-JP" dirty="0" err="1" smtClean="0"/>
+              <a:rPr lang="en-US" altLang="ja-JP" dirty="0" err="1" smtClean="0">
+                <a:latin typeface="Courier New" pitchFamily="49" charset="0"/>
+                <a:cs typeface="Courier New" pitchFamily="49" charset="0"/>
+              </a:rPr>
               <a:t>s.comparator</a:t>
             </a:r>
             <a:r>
@@ -5555,8 +5631,27 @@
           <a:lstStyle/>
           <a:p>
             <a:r>
+              <a:rPr kumimoji="1" lang="ja-JP" altLang="en-US" sz="2400" dirty="0" smtClean="0"/>
+              <a:t>バースマークの実装例 </a:t>
+            </a:r>
+            <a:r>
+              <a:rPr kumimoji="1" lang="en-US" altLang="ja-JP" sz="2400" dirty="0" smtClean="0"/>
+              <a:t>(5/5)</a:t>
+            </a:r>
+            <a:r>
+              <a:rPr kumimoji="1" lang="en-US" altLang="ja-JP" dirty="0" smtClean="0"/>
+              <a:t/>
+            </a:r>
+            <a:br>
+              <a:rPr kumimoji="1" lang="en-US" altLang="ja-JP" dirty="0" smtClean="0"/>
+            </a:br>
+            <a:r>
               <a:rPr kumimoji="1" lang="ja-JP" altLang="en-US" dirty="0" smtClean="0"/>
-              <a:t>サービスデスクリプタの作成</a:t>
+              <a:t>サービスデスクリプタ</a:t>
+            </a:r>
+            <a:r>
+              <a:rPr kumimoji="1" lang="ja-JP" altLang="en-US" dirty="0" smtClean="0"/>
+              <a:t>の作成</a:t>
             </a:r>
             <a:endParaRPr kumimoji="1" lang="ja-JP" altLang="en-US" dirty="0"/>
           </a:p>
@@ -5575,7 +5670,7 @@
         <p:spPr/>
         <p:txBody>
           <a:bodyPr>
-            <a:normAutofit lnSpcReduction="10000"/>
+            <a:normAutofit fontScale="85000" lnSpcReduction="20000"/>
           </a:bodyPr>
           <a:lstStyle/>
           <a:p>
@@ -5664,42 +5759,78 @@
             <a:endParaRPr lang="en-US" altLang="ja-JP" dirty="0" smtClean="0"/>
           </a:p>
           <a:p>
+            <a:pPr lvl="1"/>
+            <a:r>
+              <a:rPr kumimoji="1" lang="ja-JP" altLang="en-US" dirty="0" smtClean="0"/>
+              <a:t>インストール方法</a:t>
+            </a:r>
+            <a:endParaRPr lang="en-US" altLang="ja-JP" dirty="0"/>
+          </a:p>
+          <a:p>
             <a:pPr lvl="2"/>
+            <a:r>
+              <a:rPr lang="ja-JP" altLang="en-US" dirty="0" smtClean="0"/>
+              <a:t>メニューからインストール</a:t>
+            </a:r>
+            <a:endParaRPr lang="en-US" altLang="ja-JP" dirty="0" smtClean="0"/>
+          </a:p>
+          <a:p>
+            <a:pPr lvl="3"/>
+            <a:r>
+              <a:rPr lang="en-US" altLang="ja-JP" dirty="0" smtClean="0"/>
+              <a:t>Stigmata</a:t>
+            </a:r>
+            <a:r>
+              <a:rPr lang="ja-JP" altLang="en-US" dirty="0" smtClean="0"/>
+              <a:t>起動後に，メニューからインストールを選び，ファイルダイアログで</a:t>
+            </a:r>
+            <a:r>
+              <a:rPr lang="en-US" altLang="ja-JP" dirty="0" smtClean="0"/>
+              <a:t>jar</a:t>
+            </a:r>
+            <a:r>
+              <a:rPr lang="ja-JP" altLang="en-US" dirty="0" smtClean="0"/>
+              <a:t>ファイルを選択する．</a:t>
+            </a:r>
+            <a:endParaRPr kumimoji="1" lang="en-US" altLang="ja-JP" dirty="0" smtClean="0"/>
+          </a:p>
+          <a:p>
+            <a:pPr lvl="2"/>
+            <a:r>
+              <a:rPr lang="ja-JP" altLang="en-US" dirty="0" smtClean="0"/>
+              <a:t>手動でインストール</a:t>
+            </a:r>
+            <a:endParaRPr lang="en-US" altLang="ja-JP" dirty="0" smtClean="0"/>
+          </a:p>
+          <a:p>
+            <a:pPr lvl="3"/>
             <a:r>
               <a:rPr kumimoji="1" lang="en-US" altLang="ja-JP" dirty="0" smtClean="0"/>
               <a:t>Stigmata</a:t>
             </a:r>
             <a:r>
               <a:rPr kumimoji="1" lang="ja-JP" altLang="en-US" dirty="0" smtClean="0"/>
-              <a:t>のクラスパスに含めて起動すると，読み込まれる．</a:t>
-            </a:r>
-            <a:endParaRPr kumimoji="1" lang="en-US" altLang="ja-JP" dirty="0" smtClean="0"/>
-          </a:p>
-          <a:p>
-            <a:pPr lvl="2"/>
-            <a:r>
-              <a:rPr lang="en-US" altLang="ja-JP" dirty="0" smtClean="0"/>
-              <a:t>Stigmata</a:t>
-            </a:r>
-            <a:r>
-              <a:rPr lang="ja-JP" altLang="en-US" dirty="0" smtClean="0"/>
-              <a:t>起動後に，メニューからインストールを選ぶと，</a:t>
-            </a:r>
-            <a:r>
-              <a:rPr lang="ja-JP" altLang="en-US" dirty="0"/>
-              <a:t>次回</a:t>
-            </a:r>
-            <a:r>
-              <a:rPr lang="ja-JP" altLang="en-US" dirty="0" smtClean="0"/>
-              <a:t>以降</a:t>
-            </a:r>
-            <a:r>
-              <a:rPr lang="ja-JP" altLang="en-US" dirty="0"/>
-              <a:t>，</a:t>
-            </a:r>
-            <a:r>
-              <a:rPr lang="ja-JP" altLang="en-US" dirty="0" smtClean="0"/>
-              <a:t>読み込まれるようになる．</a:t>
+              <a:t>のクラスパス</a:t>
+            </a:r>
+            <a:r>
+              <a:rPr kumimoji="1" lang="ja-JP" altLang="en-US" dirty="0" smtClean="0"/>
+              <a:t>にプラグイン</a:t>
+            </a:r>
+            <a:r>
+              <a:rPr kumimoji="1" lang="en-US" altLang="ja-JP" dirty="0" smtClean="0"/>
+              <a:t>jar</a:t>
+            </a:r>
+            <a:r>
+              <a:rPr kumimoji="1" lang="ja-JP" altLang="en-US" dirty="0" smtClean="0"/>
+              <a:t>ファイルを含めて</a:t>
+            </a:r>
+            <a:r>
+              <a:rPr kumimoji="1" lang="ja-JP" altLang="en-US" dirty="0" smtClean="0"/>
+              <a:t>起動すると，読み込まれる</a:t>
+            </a:r>
+            <a:r>
+              <a:rPr kumimoji="1" lang="ja-JP" altLang="en-US" dirty="0" smtClean="0"/>
+              <a:t>．</a:t>
             </a:r>
             <a:endParaRPr kumimoji="1" lang="en-US" altLang="ja-JP" dirty="0" smtClean="0"/>
           </a:p>
@@ -5768,6 +5899,1204 @@
       </p:par>
     </p:tnLst>
   </p:timing>
+</p:sld>
+</file>
+
+<file path=ppt/slides/slide12.xml><?xml version="1.0" encoding="utf-8"?>
+<p:sld xmlns:a="http://schemas.openxmlformats.org/drawingml/2006/main" xmlns:r="http://schemas.openxmlformats.org/officeDocument/2006/relationships" xmlns:p="http://schemas.openxmlformats.org/presentationml/2006/main">
+  <p:cSld>
+    <p:spTree>
+      <p:nvGrpSpPr>
+        <p:cNvPr id="1" name=""/>
+        <p:cNvGrpSpPr/>
+        <p:nvPr/>
+      </p:nvGrpSpPr>
+      <p:grpSpPr>
+        <a:xfrm>
+          <a:off x="0" y="0"/>
+          <a:ext cx="0" cy="0"/>
+          <a:chOff x="0" y="0"/>
+          <a:chExt cx="0" cy="0"/>
+        </a:xfrm>
+      </p:grpSpPr>
+      <p:sp>
+        <p:nvSpPr>
+          <p:cNvPr id="2" name="タイトル 1"/>
+          <p:cNvSpPr>
+            <a:spLocks noGrp="1"/>
+          </p:cNvSpPr>
+          <p:nvPr>
+            <p:ph type="title"/>
+          </p:nvPr>
+        </p:nvSpPr>
+        <p:spPr/>
+        <p:txBody>
+          <a:bodyPr/>
+          <a:lstStyle/>
+          <a:p>
+            <a:r>
+              <a:rPr lang="en-US" altLang="ja-JP" dirty="0" err="1" smtClean="0">
+                <a:latin typeface="Courier New" pitchFamily="49" charset="0"/>
+                <a:cs typeface="Courier New" pitchFamily="49" charset="0"/>
+              </a:rPr>
+              <a:t>ASMBirthmarkExtractor</a:t>
+            </a:r>
+            <a:r>
+              <a:rPr lang="ja-JP" altLang="en-US" dirty="0" smtClean="0">
+                <a:latin typeface="Courier New" pitchFamily="49" charset="0"/>
+                <a:cs typeface="Courier New" pitchFamily="49" charset="0"/>
+              </a:rPr>
+              <a:t>の拡張</a:t>
+            </a:r>
+            <a:endParaRPr kumimoji="1" lang="ja-JP" altLang="en-US" dirty="0"/>
+          </a:p>
+        </p:txBody>
+      </p:sp>
+      <p:sp>
+        <p:nvSpPr>
+          <p:cNvPr id="3" name="コンテンツ プレースホルダー 2"/>
+          <p:cNvSpPr>
+            <a:spLocks noGrp="1"/>
+          </p:cNvSpPr>
+          <p:nvPr>
+            <p:ph idx="1"/>
+          </p:nvPr>
+        </p:nvSpPr>
+        <p:spPr/>
+        <p:txBody>
+          <a:bodyPr>
+            <a:normAutofit fontScale="92500" lnSpcReduction="10000"/>
+          </a:bodyPr>
+          <a:lstStyle/>
+          <a:p>
+            <a:r>
+              <a:rPr lang="en-US" altLang="ja-JP" dirty="0" err="1" smtClean="0">
+                <a:latin typeface="Courier New" pitchFamily="49" charset="0"/>
+                <a:cs typeface="Courier New" pitchFamily="49" charset="0"/>
+              </a:rPr>
+              <a:t>createExtractVisitor</a:t>
+            </a:r>
+            <a:r>
+              <a:rPr lang="ja-JP" altLang="en-US" dirty="0" smtClean="0"/>
+              <a:t>をオーバーライドし，</a:t>
+            </a:r>
+            <a:r>
+              <a:rPr lang="en-US" altLang="ja-JP" dirty="0" err="1" smtClean="0">
+                <a:latin typeface="Courier New" pitchFamily="49" charset="0"/>
+                <a:cs typeface="Courier New" pitchFamily="49" charset="0"/>
+              </a:rPr>
+              <a:t>BirthmarkExtractVisitor</a:t>
+            </a:r>
+            <a:r>
+              <a:rPr lang="ja-JP" altLang="en-US" dirty="0"/>
+              <a:t>オブジェクト</a:t>
+            </a:r>
+            <a:r>
+              <a:rPr lang="ja-JP" altLang="en-US" dirty="0" smtClean="0"/>
+              <a:t>を返す．</a:t>
+            </a:r>
+            <a:endParaRPr lang="en-US" altLang="ja-JP" dirty="0"/>
+          </a:p>
+          <a:p>
+            <a:pPr lvl="1"/>
+            <a:r>
+              <a:rPr lang="en-US" altLang="ja-JP" dirty="0" err="1" smtClean="0">
+                <a:latin typeface="Courier New" pitchFamily="49" charset="0"/>
+                <a:cs typeface="Courier New" pitchFamily="49" charset="0"/>
+              </a:rPr>
+              <a:t>BirthmarkExtractVisitor</a:t>
+            </a:r>
+            <a:r>
+              <a:rPr lang="ja-JP" altLang="en-US" dirty="0" smtClean="0"/>
+              <a:t>は</a:t>
+            </a:r>
+            <a:r>
+              <a:rPr lang="en-US" altLang="ja-JP" dirty="0" smtClean="0"/>
+              <a:t>ASM</a:t>
+            </a:r>
+            <a:r>
+              <a:rPr lang="ja-JP" altLang="en-US" dirty="0" smtClean="0"/>
+              <a:t>の</a:t>
+            </a:r>
+            <a:r>
+              <a:rPr lang="en-US" altLang="ja-JP" dirty="0" err="1" smtClean="0">
+                <a:latin typeface="Courier New" pitchFamily="49" charset="0"/>
+                <a:cs typeface="Courier New" pitchFamily="49" charset="0"/>
+              </a:rPr>
+              <a:t>ClassVisitor</a:t>
+            </a:r>
+            <a:r>
+              <a:rPr lang="ja-JP" altLang="en-US" dirty="0" smtClean="0"/>
+              <a:t>の実装クラスである．</a:t>
+            </a:r>
+            <a:endParaRPr lang="en-US" altLang="ja-JP" dirty="0" smtClean="0"/>
+          </a:p>
+          <a:p>
+            <a:pPr lvl="1"/>
+            <a:r>
+              <a:rPr lang="en-US" altLang="ja-JP" dirty="0" smtClean="0"/>
+              <a:t>ASM</a:t>
+            </a:r>
+            <a:r>
+              <a:rPr lang="ja-JP" altLang="en-US" dirty="0" smtClean="0"/>
+              <a:t>の</a:t>
+            </a:r>
+            <a:r>
+              <a:rPr lang="en-US" altLang="ja-JP" dirty="0" err="1" smtClean="0">
+                <a:latin typeface="Courier New" pitchFamily="49" charset="0"/>
+                <a:cs typeface="Courier New" pitchFamily="49" charset="0"/>
+              </a:rPr>
+              <a:t>ClassVisitor</a:t>
+            </a:r>
+            <a:r>
+              <a:rPr lang="ja-JP" altLang="en-US" dirty="0" smtClean="0"/>
+              <a:t>の必要な部分をオーバーライドし，必要なときに</a:t>
+            </a:r>
+            <a:r>
+              <a:rPr lang="en-US" altLang="ja-JP" dirty="0" err="1" smtClean="0">
+                <a:latin typeface="Courier New" pitchFamily="49" charset="0"/>
+                <a:cs typeface="Courier New" pitchFamily="49" charset="0"/>
+              </a:rPr>
+              <a:t>addElement</a:t>
+            </a:r>
+            <a:r>
+              <a:rPr lang="en-US" altLang="ja-JP" dirty="0" smtClean="0">
+                <a:latin typeface="Courier New" pitchFamily="49" charset="0"/>
+                <a:cs typeface="Courier New" pitchFamily="49" charset="0"/>
+              </a:rPr>
+              <a:t>(element: </a:t>
+            </a:r>
+            <a:r>
+              <a:rPr lang="en-US" altLang="ja-JP" dirty="0" err="1" smtClean="0">
+                <a:latin typeface="Courier New" pitchFamily="49" charset="0"/>
+                <a:cs typeface="Courier New" pitchFamily="49" charset="0"/>
+              </a:rPr>
+              <a:t>BirthmarkElement</a:t>
+            </a:r>
+            <a:r>
+              <a:rPr lang="en-US" altLang="ja-JP" dirty="0" smtClean="0">
+                <a:latin typeface="Courier New" pitchFamily="49" charset="0"/>
+                <a:cs typeface="Courier New" pitchFamily="49" charset="0"/>
+              </a:rPr>
+              <a:t>)</a:t>
+            </a:r>
+            <a:r>
+              <a:rPr lang="ja-JP" altLang="en-US" dirty="0" smtClean="0"/>
+              <a:t>メソッドを呼び出す．</a:t>
+            </a:r>
+            <a:endParaRPr lang="en-US" altLang="ja-JP" dirty="0" smtClean="0"/>
+          </a:p>
+          <a:p>
+            <a:endParaRPr lang="en-US" altLang="ja-JP" dirty="0"/>
+          </a:p>
+          <a:p>
+            <a:r>
+              <a:rPr lang="ja-JP" altLang="en-US" dirty="0" smtClean="0"/>
+              <a:t>詳しい実装例は</a:t>
+            </a:r>
+            <a:r>
+              <a:rPr lang="en-US" altLang="ja-JP" dirty="0" smtClean="0"/>
+              <a:t>Stigmata</a:t>
+            </a:r>
+            <a:r>
+              <a:rPr lang="ja-JP" altLang="en-US" dirty="0" smtClean="0"/>
+              <a:t>のソースコードを参照のこと．</a:t>
+            </a:r>
+            <a:endParaRPr lang="en-US" altLang="ja-JP" dirty="0" smtClean="0"/>
+          </a:p>
+        </p:txBody>
+      </p:sp>
+      <p:sp>
+        <p:nvSpPr>
+          <p:cNvPr id="4" name="日付プレースホルダー 3"/>
+          <p:cNvSpPr>
+            <a:spLocks noGrp="1"/>
+          </p:cNvSpPr>
+          <p:nvPr>
+            <p:ph type="dt" sz="half" idx="10"/>
+          </p:nvPr>
+        </p:nvSpPr>
+        <p:spPr/>
+        <p:txBody>
+          <a:bodyPr/>
+          <a:lstStyle/>
+          <a:p>
+            <a:r>
+              <a:rPr kumimoji="1" lang="en-US" altLang="ja-JP" smtClean="0"/>
+              <a:t>2011/5/16-20</a:t>
+            </a:r>
+            <a:endParaRPr kumimoji="1" lang="ja-JP" altLang="en-US"/>
+          </a:p>
+        </p:txBody>
+      </p:sp>
+      <p:sp>
+        <p:nvSpPr>
+          <p:cNvPr id="5" name="スライド番号プレースホルダー 4"/>
+          <p:cNvSpPr>
+            <a:spLocks noGrp="1"/>
+          </p:cNvSpPr>
+          <p:nvPr>
+            <p:ph type="sldNum" sz="quarter" idx="12"/>
+          </p:nvPr>
+        </p:nvSpPr>
+        <p:spPr/>
+        <p:txBody>
+          <a:bodyPr/>
+          <a:lstStyle/>
+          <a:p>
+            <a:fld id="{D2D8002D-B5B0-4BAC-B1F6-782DDCCE6D9C}" type="slidenum">
+              <a:rPr kumimoji="1" lang="ja-JP" altLang="en-US" smtClean="0"/>
+              <a:t>12</a:t>
+            </a:fld>
+            <a:endParaRPr kumimoji="1" lang="ja-JP" altLang="en-US"/>
+          </a:p>
+        </p:txBody>
+      </p:sp>
+    </p:spTree>
+    <p:extLst>
+      <p:ext uri="{BB962C8B-B14F-4D97-AF65-F5344CB8AC3E}">
+        <p14:creationId xmlns:p14="http://schemas.microsoft.com/office/powerpoint/2010/main" val="2597073437"/>
+      </p:ext>
+    </p:extLst>
+  </p:cSld>
+  <p:clrMapOvr>
+    <a:masterClrMapping/>
+  </p:clrMapOvr>
+</p:sld>
+</file>
+
+<file path=ppt/slides/slide13.xml><?xml version="1.0" encoding="utf-8"?>
+<p:sld xmlns:a="http://schemas.openxmlformats.org/drawingml/2006/main" xmlns:r="http://schemas.openxmlformats.org/officeDocument/2006/relationships" xmlns:p="http://schemas.openxmlformats.org/presentationml/2006/main">
+  <p:cSld>
+    <p:spTree>
+      <p:nvGrpSpPr>
+        <p:cNvPr id="1" name=""/>
+        <p:cNvGrpSpPr/>
+        <p:nvPr/>
+      </p:nvGrpSpPr>
+      <p:grpSpPr>
+        <a:xfrm>
+          <a:off x="0" y="0"/>
+          <a:ext cx="0" cy="0"/>
+          <a:chOff x="0" y="0"/>
+          <a:chExt cx="0" cy="0"/>
+        </a:xfrm>
+      </p:grpSpPr>
+      <p:sp>
+        <p:nvSpPr>
+          <p:cNvPr id="2" name="タイトル 1"/>
+          <p:cNvSpPr>
+            <a:spLocks noGrp="1"/>
+          </p:cNvSpPr>
+          <p:nvPr>
+            <p:ph type="title"/>
+          </p:nvPr>
+        </p:nvSpPr>
+        <p:spPr/>
+        <p:txBody>
+          <a:bodyPr/>
+          <a:lstStyle/>
+          <a:p>
+            <a:r>
+              <a:rPr kumimoji="1" lang="en-US" altLang="ja-JP" dirty="0" smtClean="0"/>
+              <a:t>Stigmata-3.0.0-SNAPSHOT</a:t>
+            </a:r>
+            <a:br>
+              <a:rPr kumimoji="1" lang="en-US" altLang="ja-JP" dirty="0" smtClean="0"/>
+            </a:br>
+            <a:r>
+              <a:rPr kumimoji="1" lang="ja-JP" altLang="en-US" dirty="0" smtClean="0"/>
+              <a:t>取得方法</a:t>
+            </a:r>
+            <a:endParaRPr kumimoji="1" lang="ja-JP" altLang="en-US" dirty="0"/>
+          </a:p>
+        </p:txBody>
+      </p:sp>
+      <p:sp>
+        <p:nvSpPr>
+          <p:cNvPr id="3" name="コンテンツ プレースホルダー 2"/>
+          <p:cNvSpPr>
+            <a:spLocks noGrp="1"/>
+          </p:cNvSpPr>
+          <p:nvPr>
+            <p:ph idx="1"/>
+          </p:nvPr>
+        </p:nvSpPr>
+        <p:spPr/>
+        <p:txBody>
+          <a:bodyPr/>
+          <a:lstStyle/>
+          <a:p>
+            <a:r>
+              <a:rPr kumimoji="1" lang="en-US" altLang="ja-JP" dirty="0" smtClean="0"/>
+              <a:t>pom.xml</a:t>
+            </a:r>
+            <a:r>
+              <a:rPr lang="ja-JP" altLang="en-US" dirty="0" smtClean="0"/>
+              <a:t>に以下のタグを追加する．</a:t>
+            </a:r>
+            <a:endParaRPr lang="en-US" altLang="ja-JP" dirty="0" smtClean="0"/>
+          </a:p>
+          <a:p>
+            <a:endParaRPr kumimoji="1" lang="en-US" altLang="ja-JP" dirty="0"/>
+          </a:p>
+          <a:p>
+            <a:endParaRPr lang="en-US" altLang="ja-JP" dirty="0" smtClean="0"/>
+          </a:p>
+          <a:p>
+            <a:endParaRPr kumimoji="1" lang="en-US" altLang="ja-JP" dirty="0"/>
+          </a:p>
+          <a:p>
+            <a:endParaRPr lang="en-US" altLang="ja-JP" dirty="0" smtClean="0"/>
+          </a:p>
+          <a:p>
+            <a:endParaRPr kumimoji="1" lang="en-US" altLang="ja-JP" dirty="0"/>
+          </a:p>
+        </p:txBody>
+      </p:sp>
+      <p:sp>
+        <p:nvSpPr>
+          <p:cNvPr id="4" name="日付プレースホルダー 3"/>
+          <p:cNvSpPr>
+            <a:spLocks noGrp="1"/>
+          </p:cNvSpPr>
+          <p:nvPr>
+            <p:ph type="dt" sz="half" idx="10"/>
+          </p:nvPr>
+        </p:nvSpPr>
+        <p:spPr/>
+        <p:txBody>
+          <a:bodyPr/>
+          <a:lstStyle/>
+          <a:p>
+            <a:r>
+              <a:rPr kumimoji="1" lang="en-US" altLang="ja-JP" smtClean="0"/>
+              <a:t>2011/5/16-20</a:t>
+            </a:r>
+            <a:endParaRPr kumimoji="1" lang="ja-JP" altLang="en-US"/>
+          </a:p>
+        </p:txBody>
+      </p:sp>
+      <p:sp>
+        <p:nvSpPr>
+          <p:cNvPr id="5" name="スライド番号プレースホルダー 4"/>
+          <p:cNvSpPr>
+            <a:spLocks noGrp="1"/>
+          </p:cNvSpPr>
+          <p:nvPr>
+            <p:ph type="sldNum" sz="quarter" idx="12"/>
+          </p:nvPr>
+        </p:nvSpPr>
+        <p:spPr/>
+        <p:txBody>
+          <a:bodyPr/>
+          <a:lstStyle/>
+          <a:p>
+            <a:fld id="{D2D8002D-B5B0-4BAC-B1F6-782DDCCE6D9C}" type="slidenum">
+              <a:rPr kumimoji="1" lang="ja-JP" altLang="en-US" smtClean="0"/>
+              <a:t>13</a:t>
+            </a:fld>
+            <a:endParaRPr kumimoji="1" lang="ja-JP" altLang="en-US"/>
+          </a:p>
+        </p:txBody>
+      </p:sp>
+      <p:sp>
+        <p:nvSpPr>
+          <p:cNvPr id="6" name="テキスト ボックス 5"/>
+          <p:cNvSpPr txBox="1"/>
+          <p:nvPr/>
+        </p:nvSpPr>
+        <p:spPr>
+          <a:xfrm>
+            <a:off x="1931981" y="2276872"/>
+            <a:ext cx="6042039" cy="4154984"/>
+          </a:xfrm>
+          <a:prstGeom prst="rect">
+            <a:avLst/>
+          </a:prstGeom>
+          <a:solidFill>
+            <a:schemeClr val="bg1"/>
+          </a:solidFill>
+          <a:ln>
+            <a:solidFill>
+              <a:schemeClr val="tx1"/>
+            </a:solidFill>
+          </a:ln>
+        </p:spPr>
+        <p:txBody>
+          <a:bodyPr wrap="none" rtlCol="0">
+            <a:spAutoFit/>
+          </a:bodyPr>
+          <a:lstStyle/>
+          <a:p>
+            <a:r>
+              <a:rPr kumimoji="1" lang="en-US" altLang="ja-JP" sz="1200" dirty="0" smtClean="0">
+                <a:latin typeface="Courier New" pitchFamily="49" charset="0"/>
+                <a:cs typeface="Courier New" pitchFamily="49" charset="0"/>
+              </a:rPr>
+              <a:t>  &lt;repositories&gt;</a:t>
+            </a:r>
+          </a:p>
+          <a:p>
+            <a:r>
+              <a:rPr lang="en-US" altLang="ja-JP" sz="1200" dirty="0">
+                <a:latin typeface="Courier New" pitchFamily="49" charset="0"/>
+                <a:cs typeface="Courier New" pitchFamily="49" charset="0"/>
+              </a:rPr>
+              <a:t> </a:t>
+            </a:r>
+            <a:r>
+              <a:rPr lang="en-US" altLang="ja-JP" sz="1200" dirty="0" smtClean="0">
+                <a:latin typeface="Courier New" pitchFamily="49" charset="0"/>
+                <a:cs typeface="Courier New" pitchFamily="49" charset="0"/>
+              </a:rPr>
+              <a:t>   &lt;repository&gt;</a:t>
+            </a:r>
+          </a:p>
+          <a:p>
+            <a:r>
+              <a:rPr lang="en-US" altLang="ja-JP" sz="1200" dirty="0">
+                <a:latin typeface="Courier New" pitchFamily="49" charset="0"/>
+                <a:cs typeface="Courier New" pitchFamily="49" charset="0"/>
+              </a:rPr>
+              <a:t> </a:t>
+            </a:r>
+            <a:r>
+              <a:rPr lang="en-US" altLang="ja-JP" sz="1200" dirty="0" smtClean="0">
+                <a:latin typeface="Courier New" pitchFamily="49" charset="0"/>
+                <a:cs typeface="Courier New" pitchFamily="49" charset="0"/>
+              </a:rPr>
+              <a:t>     &lt;id&gt;talisman.sourceforge.jp&lt;/id&gt;</a:t>
+            </a:r>
+          </a:p>
+          <a:p>
+            <a:r>
+              <a:rPr lang="en-US" altLang="ja-JP" sz="1200" dirty="0">
+                <a:latin typeface="Courier New" pitchFamily="49" charset="0"/>
+                <a:cs typeface="Courier New" pitchFamily="49" charset="0"/>
+              </a:rPr>
+              <a:t>      </a:t>
+            </a:r>
+            <a:r>
+              <a:rPr lang="en-US" altLang="ja-JP" sz="1200" dirty="0" smtClean="0">
+                <a:latin typeface="Courier New" pitchFamily="49" charset="0"/>
+                <a:cs typeface="Courier New" pitchFamily="49" charset="0"/>
+              </a:rPr>
+              <a:t>&lt;</a:t>
+            </a:r>
+            <a:r>
+              <a:rPr lang="en-US" altLang="ja-JP" sz="1200" dirty="0">
+                <a:latin typeface="Courier New" pitchFamily="49" charset="0"/>
+                <a:cs typeface="Courier New" pitchFamily="49" charset="0"/>
+              </a:rPr>
+              <a:t>name&gt;Talisman Maven2 Repository in sourceforge.jp&lt;/name&gt;</a:t>
+            </a:r>
+          </a:p>
+          <a:p>
+            <a:r>
+              <a:rPr lang="en-US" altLang="ja-JP" sz="1200" dirty="0">
+                <a:latin typeface="Courier New" pitchFamily="49" charset="0"/>
+                <a:cs typeface="Courier New" pitchFamily="49" charset="0"/>
+              </a:rPr>
+              <a:t>      &lt;</a:t>
+            </a:r>
+            <a:r>
+              <a:rPr lang="en-US" altLang="ja-JP" sz="1200" dirty="0" err="1">
+                <a:latin typeface="Courier New" pitchFamily="49" charset="0"/>
+                <a:cs typeface="Courier New" pitchFamily="49" charset="0"/>
+              </a:rPr>
+              <a:t>url</a:t>
+            </a:r>
+            <a:r>
+              <a:rPr lang="en-US" altLang="ja-JP" sz="1200" dirty="0">
+                <a:latin typeface="Courier New" pitchFamily="49" charset="0"/>
+                <a:cs typeface="Courier New" pitchFamily="49" charset="0"/>
+              </a:rPr>
+              <a:t>&gt;http://talisman.sourceforge.jp/maven2&lt;/url&gt;</a:t>
+            </a:r>
+            <a:endParaRPr lang="en-US" altLang="ja-JP" sz="1200" dirty="0" smtClean="0">
+              <a:latin typeface="Courier New" pitchFamily="49" charset="0"/>
+              <a:cs typeface="Courier New" pitchFamily="49" charset="0"/>
+            </a:endParaRPr>
+          </a:p>
+          <a:p>
+            <a:r>
+              <a:rPr kumimoji="1" lang="en-US" altLang="ja-JP" sz="1200" dirty="0">
+                <a:latin typeface="Courier New" pitchFamily="49" charset="0"/>
+                <a:cs typeface="Courier New" pitchFamily="49" charset="0"/>
+              </a:rPr>
+              <a:t> </a:t>
+            </a:r>
+            <a:r>
+              <a:rPr kumimoji="1" lang="en-US" altLang="ja-JP" sz="1200" dirty="0" smtClean="0">
+                <a:latin typeface="Courier New" pitchFamily="49" charset="0"/>
+                <a:cs typeface="Courier New" pitchFamily="49" charset="0"/>
+              </a:rPr>
+              <a:t>   &lt;/repository&gt;</a:t>
+            </a:r>
+          </a:p>
+          <a:p>
+            <a:r>
+              <a:rPr lang="en-US" altLang="ja-JP" sz="1200" dirty="0">
+                <a:latin typeface="Courier New" pitchFamily="49" charset="0"/>
+                <a:cs typeface="Courier New" pitchFamily="49" charset="0"/>
+              </a:rPr>
+              <a:t> </a:t>
+            </a:r>
+            <a:r>
+              <a:rPr lang="en-US" altLang="ja-JP" sz="1200" dirty="0" smtClean="0">
+                <a:latin typeface="Courier New" pitchFamily="49" charset="0"/>
+                <a:cs typeface="Courier New" pitchFamily="49" charset="0"/>
+              </a:rPr>
+              <a:t>   &lt;repository&gt;</a:t>
+            </a:r>
+          </a:p>
+          <a:p>
+            <a:r>
+              <a:rPr lang="en-US" altLang="ja-JP" sz="1200" dirty="0">
+                <a:latin typeface="Courier New" pitchFamily="49" charset="0"/>
+                <a:cs typeface="Courier New" pitchFamily="49" charset="0"/>
+              </a:rPr>
+              <a:t> </a:t>
+            </a:r>
+            <a:r>
+              <a:rPr lang="en-US" altLang="ja-JP" sz="1200" dirty="0" smtClean="0">
+                <a:latin typeface="Courier New" pitchFamily="49" charset="0"/>
+                <a:cs typeface="Courier New" pitchFamily="49" charset="0"/>
+              </a:rPr>
+              <a:t>     &lt;id&gt;diamond.cse.kyoto-su.ac.jp&lt;/id&gt;</a:t>
+            </a:r>
+          </a:p>
+          <a:p>
+            <a:r>
+              <a:rPr lang="en-US" altLang="ja-JP" sz="1200" dirty="0">
+                <a:latin typeface="Courier New" pitchFamily="49" charset="0"/>
+                <a:cs typeface="Courier New" pitchFamily="49" charset="0"/>
+              </a:rPr>
+              <a:t> </a:t>
+            </a:r>
+            <a:r>
+              <a:rPr lang="en-US" altLang="ja-JP" sz="1200" dirty="0" smtClean="0">
+                <a:latin typeface="Courier New" pitchFamily="49" charset="0"/>
+                <a:cs typeface="Courier New" pitchFamily="49" charset="0"/>
+              </a:rPr>
+              <a:t>     &lt;name&gt;</a:t>
+            </a:r>
+            <a:r>
+              <a:rPr lang="en-US" altLang="ja-JP" sz="1200" dirty="0" err="1" smtClean="0">
+                <a:latin typeface="Courier New" pitchFamily="49" charset="0"/>
+                <a:cs typeface="Courier New" pitchFamily="49" charset="0"/>
+              </a:rPr>
+              <a:t>Tamada</a:t>
+            </a:r>
+            <a:r>
+              <a:rPr lang="en-US" altLang="ja-JP" sz="1200" dirty="0" smtClean="0">
+                <a:latin typeface="Courier New" pitchFamily="49" charset="0"/>
+                <a:cs typeface="Courier New" pitchFamily="49" charset="0"/>
+              </a:rPr>
+              <a:t> Lab., Maven2 Repository&lt;/name&gt;</a:t>
+            </a:r>
+          </a:p>
+          <a:p>
+            <a:r>
+              <a:rPr lang="en-US" altLang="ja-JP" sz="1200" dirty="0">
+                <a:latin typeface="Courier New" pitchFamily="49" charset="0"/>
+                <a:cs typeface="Courier New" pitchFamily="49" charset="0"/>
+              </a:rPr>
+              <a:t> </a:t>
+            </a:r>
+            <a:r>
+              <a:rPr lang="en-US" altLang="ja-JP" sz="1200" dirty="0" smtClean="0">
+                <a:latin typeface="Courier New" pitchFamily="49" charset="0"/>
+                <a:cs typeface="Courier New" pitchFamily="49" charset="0"/>
+              </a:rPr>
+              <a:t>     &lt;</a:t>
+            </a:r>
+            <a:r>
+              <a:rPr lang="en-US" altLang="ja-JP" sz="1200" dirty="0" err="1" smtClean="0">
+                <a:latin typeface="Courier New" pitchFamily="49" charset="0"/>
+                <a:cs typeface="Courier New" pitchFamily="49" charset="0"/>
+              </a:rPr>
+              <a:t>url</a:t>
+            </a:r>
+            <a:r>
+              <a:rPr lang="en-US" altLang="ja-JP" sz="1200" dirty="0" smtClean="0">
+                <a:latin typeface="Courier New" pitchFamily="49" charset="0"/>
+                <a:cs typeface="Courier New" pitchFamily="49" charset="0"/>
+              </a:rPr>
+              <a:t>&gt;http://diamond.cse.kyoto-su.ac.jp/maven2/&lt;/url&gt;</a:t>
+            </a:r>
+          </a:p>
+          <a:p>
+            <a:r>
+              <a:rPr kumimoji="1" lang="en-US" altLang="ja-JP" sz="1200" dirty="0">
+                <a:latin typeface="Courier New" pitchFamily="49" charset="0"/>
+                <a:cs typeface="Courier New" pitchFamily="49" charset="0"/>
+              </a:rPr>
+              <a:t> </a:t>
+            </a:r>
+            <a:r>
+              <a:rPr kumimoji="1" lang="en-US" altLang="ja-JP" sz="1200" dirty="0" smtClean="0">
+                <a:latin typeface="Courier New" pitchFamily="49" charset="0"/>
+                <a:cs typeface="Courier New" pitchFamily="49" charset="0"/>
+              </a:rPr>
+              <a:t>   &lt;/repository&gt;</a:t>
+            </a:r>
+          </a:p>
+          <a:p>
+            <a:r>
+              <a:rPr lang="en-US" altLang="ja-JP" sz="1200" dirty="0">
+                <a:latin typeface="Courier New" pitchFamily="49" charset="0"/>
+                <a:cs typeface="Courier New" pitchFamily="49" charset="0"/>
+              </a:rPr>
+              <a:t> </a:t>
+            </a:r>
+            <a:r>
+              <a:rPr lang="en-US" altLang="ja-JP" sz="1200" dirty="0" smtClean="0">
+                <a:latin typeface="Courier New" pitchFamily="49" charset="0"/>
+                <a:cs typeface="Courier New" pitchFamily="49" charset="0"/>
+              </a:rPr>
+              <a:t> &lt;/repositories&gt;</a:t>
+            </a:r>
+          </a:p>
+          <a:p>
+            <a:r>
+              <a:rPr lang="en-US" altLang="ja-JP" sz="1200" dirty="0" smtClean="0">
+                <a:latin typeface="Courier New" pitchFamily="49" charset="0"/>
+                <a:cs typeface="Courier New" pitchFamily="49" charset="0"/>
+              </a:rPr>
+              <a:t>  :</a:t>
+            </a:r>
+          </a:p>
+          <a:p>
+            <a:r>
+              <a:rPr kumimoji="1" lang="en-US" altLang="ja-JP" sz="1200" dirty="0" smtClean="0">
+                <a:latin typeface="Courier New" pitchFamily="49" charset="0"/>
+                <a:cs typeface="Courier New" pitchFamily="49" charset="0"/>
+              </a:rPr>
+              <a:t>  &lt;dependencies&gt;</a:t>
+            </a:r>
+          </a:p>
+          <a:p>
+            <a:r>
+              <a:rPr lang="en-US" altLang="ja-JP" sz="1200" dirty="0">
+                <a:latin typeface="Courier New" pitchFamily="49" charset="0"/>
+                <a:cs typeface="Courier New" pitchFamily="49" charset="0"/>
+              </a:rPr>
+              <a:t> </a:t>
+            </a:r>
+            <a:r>
+              <a:rPr lang="en-US" altLang="ja-JP" sz="1200" dirty="0" smtClean="0">
+                <a:latin typeface="Courier New" pitchFamily="49" charset="0"/>
+                <a:cs typeface="Courier New" pitchFamily="49" charset="0"/>
+              </a:rPr>
+              <a:t>   &lt;dependency&gt;</a:t>
+            </a:r>
+          </a:p>
+          <a:p>
+            <a:r>
+              <a:rPr lang="en-US" altLang="ja-JP" sz="1200" dirty="0">
+                <a:latin typeface="Courier New" pitchFamily="49" charset="0"/>
+                <a:cs typeface="Courier New" pitchFamily="49" charset="0"/>
+              </a:rPr>
+              <a:t> </a:t>
+            </a:r>
+            <a:r>
+              <a:rPr lang="en-US" altLang="ja-JP" sz="1200" dirty="0" smtClean="0">
+                <a:latin typeface="Courier New" pitchFamily="49" charset="0"/>
+                <a:cs typeface="Courier New" pitchFamily="49" charset="0"/>
+              </a:rPr>
+              <a:t>     &lt;</a:t>
+            </a:r>
+            <a:r>
+              <a:rPr lang="en-US" altLang="ja-JP" sz="1200" dirty="0" err="1" smtClean="0">
+                <a:latin typeface="Courier New" pitchFamily="49" charset="0"/>
+                <a:cs typeface="Courier New" pitchFamily="49" charset="0"/>
+              </a:rPr>
+              <a:t>groupId</a:t>
+            </a:r>
+            <a:r>
+              <a:rPr lang="en-US" altLang="ja-JP" sz="1200" dirty="0" smtClean="0">
+                <a:latin typeface="Courier New" pitchFamily="49" charset="0"/>
+                <a:cs typeface="Courier New" pitchFamily="49" charset="0"/>
+              </a:rPr>
+              <a:t>&gt;</a:t>
+            </a:r>
+            <a:r>
+              <a:rPr lang="en-US" altLang="ja-JP" sz="1200" dirty="0" err="1" smtClean="0">
+                <a:latin typeface="Courier New" pitchFamily="49" charset="0"/>
+                <a:cs typeface="Courier New" pitchFamily="49" charset="0"/>
+              </a:rPr>
+              <a:t>jp.sourceforge.stigmata</a:t>
+            </a:r>
+            <a:r>
+              <a:rPr lang="en-US" altLang="ja-JP" sz="1200" dirty="0" smtClean="0">
+                <a:latin typeface="Courier New" pitchFamily="49" charset="0"/>
+                <a:cs typeface="Courier New" pitchFamily="49" charset="0"/>
+              </a:rPr>
+              <a:t>&lt;/</a:t>
+            </a:r>
+            <a:r>
+              <a:rPr lang="en-US" altLang="ja-JP" sz="1200" dirty="0" err="1" smtClean="0">
+                <a:latin typeface="Courier New" pitchFamily="49" charset="0"/>
+                <a:cs typeface="Courier New" pitchFamily="49" charset="0"/>
+              </a:rPr>
+              <a:t>groupId</a:t>
+            </a:r>
+            <a:r>
+              <a:rPr lang="en-US" altLang="ja-JP" sz="1200" dirty="0" smtClean="0">
+                <a:latin typeface="Courier New" pitchFamily="49" charset="0"/>
+                <a:cs typeface="Courier New" pitchFamily="49" charset="0"/>
+              </a:rPr>
+              <a:t>&gt;</a:t>
+            </a:r>
+          </a:p>
+          <a:p>
+            <a:r>
+              <a:rPr lang="en-US" altLang="ja-JP" sz="1200" dirty="0">
+                <a:latin typeface="Courier New" pitchFamily="49" charset="0"/>
+                <a:cs typeface="Courier New" pitchFamily="49" charset="0"/>
+              </a:rPr>
+              <a:t> </a:t>
+            </a:r>
+            <a:r>
+              <a:rPr lang="en-US" altLang="ja-JP" sz="1200" dirty="0" smtClean="0">
+                <a:latin typeface="Courier New" pitchFamily="49" charset="0"/>
+                <a:cs typeface="Courier New" pitchFamily="49" charset="0"/>
+              </a:rPr>
+              <a:t>     &lt;</a:t>
+            </a:r>
+            <a:r>
+              <a:rPr lang="en-US" altLang="ja-JP" sz="1200" dirty="0" err="1" smtClean="0">
+                <a:latin typeface="Courier New" pitchFamily="49" charset="0"/>
+                <a:cs typeface="Courier New" pitchFamily="49" charset="0"/>
+              </a:rPr>
+              <a:t>artifactId</a:t>
+            </a:r>
+            <a:r>
+              <a:rPr lang="en-US" altLang="ja-JP" sz="1200" dirty="0" smtClean="0">
+                <a:latin typeface="Courier New" pitchFamily="49" charset="0"/>
+                <a:cs typeface="Courier New" pitchFamily="49" charset="0"/>
+              </a:rPr>
+              <a:t>&gt;stigmata&lt;/</a:t>
+            </a:r>
+            <a:r>
+              <a:rPr lang="en-US" altLang="ja-JP" sz="1200" dirty="0" err="1" smtClean="0">
+                <a:latin typeface="Courier New" pitchFamily="49" charset="0"/>
+                <a:cs typeface="Courier New" pitchFamily="49" charset="0"/>
+              </a:rPr>
+              <a:t>artifactId</a:t>
+            </a:r>
+            <a:r>
+              <a:rPr lang="en-US" altLang="ja-JP" sz="1200" dirty="0" smtClean="0">
+                <a:latin typeface="Courier New" pitchFamily="49" charset="0"/>
+                <a:cs typeface="Courier New" pitchFamily="49" charset="0"/>
+              </a:rPr>
+              <a:t>&gt;</a:t>
+            </a:r>
+          </a:p>
+          <a:p>
+            <a:r>
+              <a:rPr lang="en-US" altLang="ja-JP" sz="1200" dirty="0">
+                <a:latin typeface="Courier New" pitchFamily="49" charset="0"/>
+                <a:cs typeface="Courier New" pitchFamily="49" charset="0"/>
+              </a:rPr>
+              <a:t> </a:t>
+            </a:r>
+            <a:r>
+              <a:rPr lang="en-US" altLang="ja-JP" sz="1200" dirty="0" smtClean="0">
+                <a:latin typeface="Courier New" pitchFamily="49" charset="0"/>
+                <a:cs typeface="Courier New" pitchFamily="49" charset="0"/>
+              </a:rPr>
+              <a:t>     &lt;version&gt;3.0.0-SNAPSHOT&lt;/version&gt;</a:t>
+            </a:r>
+          </a:p>
+          <a:p>
+            <a:r>
+              <a:rPr lang="en-US" altLang="ja-JP" sz="1200" dirty="0">
+                <a:latin typeface="Courier New" pitchFamily="49" charset="0"/>
+                <a:cs typeface="Courier New" pitchFamily="49" charset="0"/>
+              </a:rPr>
+              <a:t> </a:t>
+            </a:r>
+            <a:r>
+              <a:rPr lang="en-US" altLang="ja-JP" sz="1200" dirty="0" smtClean="0">
+                <a:latin typeface="Courier New" pitchFamily="49" charset="0"/>
+                <a:cs typeface="Courier New" pitchFamily="49" charset="0"/>
+              </a:rPr>
+              <a:t>     &lt;scope&gt;compile&lt;/scope&gt;</a:t>
+            </a:r>
+          </a:p>
+          <a:p>
+            <a:r>
+              <a:rPr kumimoji="1" lang="en-US" altLang="ja-JP" sz="1200" dirty="0">
+                <a:latin typeface="Courier New" pitchFamily="49" charset="0"/>
+                <a:cs typeface="Courier New" pitchFamily="49" charset="0"/>
+              </a:rPr>
+              <a:t> </a:t>
+            </a:r>
+            <a:r>
+              <a:rPr kumimoji="1" lang="en-US" altLang="ja-JP" sz="1200" dirty="0" smtClean="0">
+                <a:latin typeface="Courier New" pitchFamily="49" charset="0"/>
+                <a:cs typeface="Courier New" pitchFamily="49" charset="0"/>
+              </a:rPr>
+              <a:t>   &lt;/dependency&gt;</a:t>
+            </a:r>
+          </a:p>
+          <a:p>
+            <a:r>
+              <a:rPr lang="en-US" altLang="ja-JP" sz="1200" dirty="0">
+                <a:latin typeface="Courier New" pitchFamily="49" charset="0"/>
+                <a:cs typeface="Courier New" pitchFamily="49" charset="0"/>
+              </a:rPr>
+              <a:t> </a:t>
+            </a:r>
+            <a:r>
+              <a:rPr lang="en-US" altLang="ja-JP" sz="1200" dirty="0" smtClean="0">
+                <a:latin typeface="Courier New" pitchFamily="49" charset="0"/>
+                <a:cs typeface="Courier New" pitchFamily="49" charset="0"/>
+              </a:rPr>
+              <a:t>   :</a:t>
+            </a:r>
+            <a:endParaRPr kumimoji="1" lang="en-US" altLang="ja-JP" sz="1200" dirty="0" smtClean="0">
+              <a:latin typeface="Courier New" pitchFamily="49" charset="0"/>
+              <a:cs typeface="Courier New" pitchFamily="49" charset="0"/>
+            </a:endParaRPr>
+          </a:p>
+          <a:p>
+            <a:r>
+              <a:rPr lang="en-US" altLang="ja-JP" sz="1200" dirty="0">
+                <a:latin typeface="Courier New" pitchFamily="49" charset="0"/>
+                <a:cs typeface="Courier New" pitchFamily="49" charset="0"/>
+              </a:rPr>
+              <a:t> </a:t>
+            </a:r>
+            <a:r>
+              <a:rPr lang="en-US" altLang="ja-JP" sz="1200" dirty="0" smtClean="0">
+                <a:latin typeface="Courier New" pitchFamily="49" charset="0"/>
+                <a:cs typeface="Courier New" pitchFamily="49" charset="0"/>
+              </a:rPr>
+              <a:t> &lt;/dependencies&gt;</a:t>
+            </a:r>
+            <a:endParaRPr kumimoji="1" lang="ja-JP" altLang="en-US" sz="1200" dirty="0">
+              <a:latin typeface="Courier New" pitchFamily="49" charset="0"/>
+              <a:cs typeface="Courier New" pitchFamily="49" charset="0"/>
+            </a:endParaRPr>
+          </a:p>
+        </p:txBody>
+      </p:sp>
+    </p:spTree>
+    <p:extLst>
+      <p:ext uri="{BB962C8B-B14F-4D97-AF65-F5344CB8AC3E}">
+        <p14:creationId xmlns:p14="http://schemas.microsoft.com/office/powerpoint/2010/main" val="2555404357"/>
+      </p:ext>
+    </p:extLst>
+  </p:cSld>
+  <p:clrMapOvr>
+    <a:masterClrMapping/>
+  </p:clrMapOvr>
+</p:sld>
+</file>
+
+<file path=ppt/slides/slide14.xml><?xml version="1.0" encoding="utf-8"?>
+<p:sld xmlns:a="http://schemas.openxmlformats.org/drawingml/2006/main" xmlns:r="http://schemas.openxmlformats.org/officeDocument/2006/relationships" xmlns:p="http://schemas.openxmlformats.org/presentationml/2006/main">
+  <p:cSld>
+    <p:spTree>
+      <p:nvGrpSpPr>
+        <p:cNvPr id="1" name=""/>
+        <p:cNvGrpSpPr/>
+        <p:nvPr/>
+      </p:nvGrpSpPr>
+      <p:grpSpPr>
+        <a:xfrm>
+          <a:off x="0" y="0"/>
+          <a:ext cx="0" cy="0"/>
+          <a:chOff x="0" y="0"/>
+          <a:chExt cx="0" cy="0"/>
+        </a:xfrm>
+      </p:grpSpPr>
+      <p:sp>
+        <p:nvSpPr>
+          <p:cNvPr id="2" name="タイトル 1"/>
+          <p:cNvSpPr>
+            <a:spLocks noGrp="1"/>
+          </p:cNvSpPr>
+          <p:nvPr>
+            <p:ph type="title"/>
+          </p:nvPr>
+        </p:nvSpPr>
+        <p:spPr/>
+        <p:txBody>
+          <a:bodyPr/>
+          <a:lstStyle/>
+          <a:p>
+            <a:r>
+              <a:rPr kumimoji="1" lang="en-US" altLang="ja-JP" dirty="0" smtClean="0"/>
+              <a:t>Stigmata-3.0.0-SNAPSHOT</a:t>
+            </a:r>
+            <a:br>
+              <a:rPr kumimoji="1" lang="en-US" altLang="ja-JP" dirty="0" smtClean="0"/>
+            </a:br>
+            <a:r>
+              <a:rPr kumimoji="1" lang="ja-JP" altLang="en-US" dirty="0" smtClean="0"/>
+              <a:t>ソースコード取得方法</a:t>
+            </a:r>
+            <a:endParaRPr kumimoji="1" lang="ja-JP" altLang="en-US" dirty="0"/>
+          </a:p>
+        </p:txBody>
+      </p:sp>
+      <p:sp>
+        <p:nvSpPr>
+          <p:cNvPr id="3" name="コンテンツ プレースホルダー 2"/>
+          <p:cNvSpPr>
+            <a:spLocks noGrp="1"/>
+          </p:cNvSpPr>
+          <p:nvPr>
+            <p:ph idx="1"/>
+          </p:nvPr>
+        </p:nvSpPr>
+        <p:spPr/>
+        <p:txBody>
+          <a:bodyPr>
+            <a:normAutofit fontScale="77500" lnSpcReduction="20000"/>
+          </a:bodyPr>
+          <a:lstStyle/>
+          <a:p>
+            <a:r>
+              <a:rPr kumimoji="1" lang="en-US" altLang="ja-JP" dirty="0" smtClean="0"/>
+              <a:t>Stigmata</a:t>
+            </a:r>
+            <a:r>
+              <a:rPr kumimoji="1" lang="ja-JP" altLang="en-US" dirty="0" smtClean="0"/>
+              <a:t>は複数のプロジェクトから構成されている．</a:t>
+            </a:r>
+            <a:endParaRPr kumimoji="1" lang="en-US" altLang="ja-JP" dirty="0" smtClean="0"/>
+          </a:p>
+          <a:p>
+            <a:r>
+              <a:rPr kumimoji="1" lang="ja-JP" altLang="en-US" dirty="0" smtClean="0"/>
+              <a:t>それぞれ</a:t>
+            </a:r>
+            <a:r>
+              <a:rPr kumimoji="1" lang="en-US" altLang="ja-JP" dirty="0" smtClean="0"/>
+              <a:t>Diamond</a:t>
+            </a:r>
+            <a:r>
+              <a:rPr kumimoji="1" lang="ja-JP" altLang="en-US" dirty="0" smtClean="0"/>
+              <a:t>の</a:t>
+            </a:r>
+            <a:r>
+              <a:rPr kumimoji="1" lang="en-US" altLang="ja-JP" dirty="0" err="1" smtClean="0"/>
+              <a:t>Git</a:t>
+            </a:r>
+            <a:r>
+              <a:rPr kumimoji="1" lang="ja-JP" altLang="en-US" dirty="0" smtClean="0"/>
+              <a:t>リポジトリにソースコードが存在する．</a:t>
+            </a:r>
+            <a:endParaRPr kumimoji="1" lang="en-US" altLang="ja-JP" dirty="0" smtClean="0"/>
+          </a:p>
+          <a:p>
+            <a:pPr lvl="1"/>
+            <a:r>
+              <a:rPr lang="en-US" altLang="ja-JP" dirty="0" smtClean="0"/>
+              <a:t>stigmata: </a:t>
+            </a:r>
+            <a:r>
+              <a:rPr lang="ja-JP" altLang="en-US" dirty="0" smtClean="0"/>
+              <a:t>メインプログラム．</a:t>
+            </a:r>
+            <a:endParaRPr kumimoji="1" lang="en-US" altLang="ja-JP" dirty="0" smtClean="0"/>
+          </a:p>
+          <a:p>
+            <a:pPr lvl="2"/>
+            <a:r>
+              <a:rPr lang="en-US" altLang="ja-JP" dirty="0" smtClean="0"/>
+              <a:t>git@diamond.cse.kyoto-su.ac.jp:/stigmata/</a:t>
+            </a:r>
+            <a:r>
+              <a:rPr lang="en-US" altLang="ja-JP" dirty="0" err="1" smtClean="0"/>
+              <a:t>stigmata.git</a:t>
+            </a:r>
+            <a:endParaRPr kumimoji="1" lang="en-US" altLang="ja-JP" dirty="0" smtClean="0"/>
+          </a:p>
+          <a:p>
+            <a:pPr lvl="1"/>
+            <a:r>
+              <a:rPr lang="en-US" altLang="ja-JP" dirty="0" smtClean="0"/>
+              <a:t>digger: </a:t>
+            </a:r>
+            <a:r>
+              <a:rPr lang="ja-JP" altLang="en-US" dirty="0" smtClean="0"/>
+              <a:t>クラスファイル読み込みライブラリ</a:t>
+            </a:r>
+            <a:endParaRPr lang="en-US" altLang="ja-JP" dirty="0" smtClean="0"/>
+          </a:p>
+          <a:p>
+            <a:pPr lvl="2"/>
+            <a:r>
+              <a:rPr lang="en-US" altLang="ja-JP" dirty="0"/>
+              <a:t>git@diamond.cse.kyoto-su.ac.jp:/</a:t>
+            </a:r>
+            <a:r>
+              <a:rPr lang="en-US" altLang="ja-JP" dirty="0" smtClean="0"/>
+              <a:t>stigmata/</a:t>
+            </a:r>
+            <a:r>
+              <a:rPr lang="en-US" altLang="ja-JP" dirty="0" err="1" smtClean="0"/>
+              <a:t>digger.git</a:t>
+            </a:r>
+            <a:endParaRPr lang="en-US" altLang="ja-JP" dirty="0"/>
+          </a:p>
+          <a:p>
+            <a:pPr lvl="1"/>
+            <a:r>
+              <a:rPr kumimoji="1" lang="en-US" altLang="ja-JP" dirty="0" err="1" smtClean="0"/>
+              <a:t>cflib</a:t>
+            </a:r>
+            <a:r>
+              <a:rPr kumimoji="1" lang="en-US" altLang="ja-JP" dirty="0" smtClean="0"/>
+              <a:t>: </a:t>
+            </a:r>
+            <a:r>
+              <a:rPr kumimoji="1" lang="ja-JP" altLang="en-US" dirty="0" smtClean="0"/>
+              <a:t>コントロールフロー構築ライブラリ</a:t>
+            </a:r>
+            <a:endParaRPr kumimoji="1" lang="en-US" altLang="ja-JP" dirty="0" smtClean="0"/>
+          </a:p>
+          <a:p>
+            <a:pPr lvl="2"/>
+            <a:r>
+              <a:rPr lang="en-US" altLang="ja-JP" dirty="0"/>
+              <a:t>git@diamond.cse.kyoto-su.ac.jp:/</a:t>
+            </a:r>
+            <a:r>
+              <a:rPr lang="en-US" altLang="ja-JP" dirty="0" smtClean="0"/>
+              <a:t>stigmata/</a:t>
+            </a:r>
+            <a:r>
+              <a:rPr lang="en-US" altLang="ja-JP" dirty="0" err="1" smtClean="0"/>
+              <a:t>cflib.git</a:t>
+            </a:r>
+            <a:endParaRPr lang="en-US" altLang="ja-JP" dirty="0" smtClean="0"/>
+          </a:p>
+          <a:p>
+            <a:pPr lvl="1"/>
+            <a:r>
+              <a:rPr lang="ja-JP" altLang="en-US" dirty="0" smtClean="0"/>
+              <a:t>その他プラグイン</a:t>
+            </a:r>
+            <a:endParaRPr lang="en-US" altLang="ja-JP" dirty="0" smtClean="0"/>
+          </a:p>
+          <a:p>
+            <a:pPr lvl="2"/>
+            <a:r>
+              <a:rPr lang="en-US" altLang="ja-JP" dirty="0" smtClean="0"/>
+              <a:t>K-gram</a:t>
+            </a:r>
+            <a:r>
+              <a:rPr lang="ja-JP" altLang="en-US" dirty="0" smtClean="0"/>
+              <a:t>バースマーク</a:t>
+            </a:r>
+            <a:endParaRPr lang="en-US" altLang="ja-JP" dirty="0"/>
+          </a:p>
+          <a:p>
+            <a:pPr lvl="3"/>
+            <a:r>
+              <a:rPr lang="en-US" altLang="ja-JP" dirty="0"/>
+              <a:t>git@diamond.cse.kyoto-su.ac.jp:/</a:t>
+            </a:r>
+            <a:r>
+              <a:rPr lang="en-US" altLang="ja-JP" dirty="0" smtClean="0"/>
+              <a:t>stigmata/plugins/</a:t>
+            </a:r>
+            <a:r>
+              <a:rPr lang="en-US" altLang="ja-JP" dirty="0" err="1" smtClean="0"/>
+              <a:t>kgram</a:t>
+            </a:r>
+            <a:endParaRPr lang="en-US" altLang="ja-JP" dirty="0"/>
+          </a:p>
+          <a:p>
+            <a:pPr lvl="2"/>
+            <a:r>
+              <a:rPr lang="en-US" altLang="ja-JP" dirty="0" smtClean="0"/>
+              <a:t>Weighted Stack Pattern</a:t>
+            </a:r>
+            <a:r>
+              <a:rPr lang="ja-JP" altLang="en-US" dirty="0" smtClean="0"/>
+              <a:t>バースマーク</a:t>
+            </a:r>
+            <a:endParaRPr lang="en-US" altLang="ja-JP" dirty="0" smtClean="0"/>
+          </a:p>
+          <a:p>
+            <a:pPr lvl="3"/>
+            <a:r>
+              <a:rPr lang="en-US" altLang="ja-JP" dirty="0" smtClean="0"/>
+              <a:t>git@diamond.cse.kyoto-su.ac.jp:/stigmata/plugins/</a:t>
+            </a:r>
+            <a:r>
+              <a:rPr lang="en-US" altLang="ja-JP" dirty="0" err="1" smtClean="0"/>
+              <a:t>wsp</a:t>
+            </a:r>
+            <a:endParaRPr lang="en-US" altLang="ja-JP" dirty="0"/>
+          </a:p>
+        </p:txBody>
+      </p:sp>
+      <p:sp>
+        <p:nvSpPr>
+          <p:cNvPr id="4" name="日付プレースホルダー 3"/>
+          <p:cNvSpPr>
+            <a:spLocks noGrp="1"/>
+          </p:cNvSpPr>
+          <p:nvPr>
+            <p:ph type="dt" sz="half" idx="10"/>
+          </p:nvPr>
+        </p:nvSpPr>
+        <p:spPr/>
+        <p:txBody>
+          <a:bodyPr/>
+          <a:lstStyle/>
+          <a:p>
+            <a:r>
+              <a:rPr kumimoji="1" lang="en-US" altLang="ja-JP" smtClean="0"/>
+              <a:t>2011/5/16-20</a:t>
+            </a:r>
+            <a:endParaRPr kumimoji="1" lang="ja-JP" altLang="en-US"/>
+          </a:p>
+        </p:txBody>
+      </p:sp>
+      <p:sp>
+        <p:nvSpPr>
+          <p:cNvPr id="5" name="スライド番号プレースホルダー 4"/>
+          <p:cNvSpPr>
+            <a:spLocks noGrp="1"/>
+          </p:cNvSpPr>
+          <p:nvPr>
+            <p:ph type="sldNum" sz="quarter" idx="12"/>
+          </p:nvPr>
+        </p:nvSpPr>
+        <p:spPr/>
+        <p:txBody>
+          <a:bodyPr/>
+          <a:lstStyle/>
+          <a:p>
+            <a:fld id="{D2D8002D-B5B0-4BAC-B1F6-782DDCCE6D9C}" type="slidenum">
+              <a:rPr kumimoji="1" lang="ja-JP" altLang="en-US" smtClean="0"/>
+              <a:t>14</a:t>
+            </a:fld>
+            <a:endParaRPr kumimoji="1" lang="ja-JP" altLang="en-US"/>
+          </a:p>
+        </p:txBody>
+      </p:sp>
+    </p:spTree>
+    <p:extLst>
+      <p:ext uri="{BB962C8B-B14F-4D97-AF65-F5344CB8AC3E}">
+        <p14:creationId xmlns:p14="http://schemas.microsoft.com/office/powerpoint/2010/main" val="550764480"/>
+      </p:ext>
+    </p:extLst>
+  </p:cSld>
+  <p:clrMapOvr>
+    <a:masterClrMapping/>
+  </p:clrMapOvr>
 </p:sld>
 </file>
 
@@ -7086,7 +8415,7 @@
         </p:spPr>
         <p:txBody>
           <a:bodyPr>
-            <a:normAutofit fontScale="85000" lnSpcReduction="20000"/>
+            <a:normAutofit fontScale="70000" lnSpcReduction="20000"/>
           </a:bodyPr>
           <a:lstStyle/>
           <a:p>
@@ -7167,7 +8496,26 @@
             </a:r>
             <a:r>
               <a:rPr lang="ja-JP" altLang="en-US" dirty="0"/>
-              <a:t>インターフェースを実装する．</a:t>
+              <a:t>インターフェースを実装する</a:t>
+            </a:r>
+            <a:r>
+              <a:rPr lang="ja-JP" altLang="en-US" dirty="0" smtClean="0"/>
+              <a:t>．</a:t>
+            </a:r>
+            <a:endParaRPr lang="en-US" altLang="ja-JP" dirty="0" smtClean="0"/>
+          </a:p>
+          <a:p>
+            <a:pPr lvl="1"/>
+            <a:r>
+              <a:rPr lang="en-US" altLang="ja-JP" dirty="0" err="1" smtClean="0">
+                <a:latin typeface="Courier New" pitchFamily="49" charset="0"/>
+                <a:cs typeface="Courier New" pitchFamily="49" charset="0"/>
+              </a:rPr>
+              <a:t>jp.sourceforge.stigmata.birthmark.spi</a:t>
+            </a:r>
+            <a:r>
+              <a:rPr lang="ja-JP" altLang="en-US" dirty="0" smtClean="0"/>
+              <a:t>パッケージに属する．</a:t>
             </a:r>
             <a:endParaRPr lang="en-US" altLang="ja-JP" dirty="0"/>
           </a:p>
@@ -7598,8 +8946,8 @@
         </p:nvSpPr>
         <p:spPr>
           <a:xfrm>
-            <a:off x="495300" y="1600202"/>
-            <a:ext cx="8915400" cy="3052935"/>
+            <a:off x="495300" y="1600203"/>
+            <a:ext cx="8915400" cy="1324742"/>
           </a:xfrm>
         </p:spPr>
         <p:txBody>
@@ -7618,9 +8966,13 @@
             </a:r>
             <a:r>
               <a:rPr lang="ja-JP" altLang="en-US" dirty="0" smtClean="0"/>
-              <a:t>にまつわる様々な情報を一元的にまとめる．</a:t>
-            </a:r>
-            <a:endParaRPr kumimoji="1" lang="ja-JP" altLang="en-US" dirty="0"/>
+              <a:t>にまつわる様々な情報を一元的にまとめる</a:t>
+            </a:r>
+            <a:r>
+              <a:rPr lang="ja-JP" altLang="en-US" dirty="0" smtClean="0"/>
+              <a:t>．</a:t>
+            </a:r>
+            <a:endParaRPr lang="en-US" altLang="ja-JP" dirty="0" smtClean="0"/>
           </a:p>
         </p:txBody>
       </p:sp>
@@ -8289,8 +9641,12 @@
           <a:lstStyle/>
           <a:p>
             <a:r>
-              <a:rPr kumimoji="1" lang="ja-JP" altLang="en-US" sz="4000" dirty="0" smtClean="0"/>
-              <a:t>使用クラスバースマークを</a:t>
+              <a:rPr kumimoji="1" lang="ja-JP" altLang="en-US" sz="2400" dirty="0" smtClean="0"/>
+              <a:t>バースマークの実装例 </a:t>
+            </a:r>
+            <a:r>
+              <a:rPr kumimoji="1" lang="en-US" altLang="ja-JP" sz="2400" dirty="0" smtClean="0"/>
+              <a:t>(1/5)</a:t>
             </a:r>
             <a:r>
               <a:rPr kumimoji="1" lang="en-US" altLang="ja-JP" sz="4000" dirty="0" smtClean="0"/>
@@ -8301,7 +9657,19 @@
             </a:br>
             <a:r>
               <a:rPr kumimoji="1" lang="ja-JP" altLang="en-US" sz="4000" dirty="0" smtClean="0"/>
-              <a:t>定義する</a:t>
+              <a:t>使用</a:t>
+            </a:r>
+            <a:r>
+              <a:rPr kumimoji="1" lang="ja-JP" altLang="en-US" sz="4000" dirty="0" smtClean="0"/>
+              <a:t>クラスバースマーク</a:t>
+            </a:r>
+            <a:r>
+              <a:rPr kumimoji="1" lang="ja-JP" altLang="en-US" sz="4000" dirty="0" smtClean="0"/>
+              <a:t>を定義</a:t>
+            </a:r>
+            <a:r>
+              <a:rPr kumimoji="1" lang="ja-JP" altLang="en-US" sz="4000" dirty="0" smtClean="0"/>
+              <a:t>する</a:t>
             </a:r>
             <a:endParaRPr kumimoji="1" lang="ja-JP" altLang="en-US" sz="4000" dirty="0"/>
           </a:p>
@@ -8522,6 +9890,48 @@
           <a:lstStyle/>
           <a:p>
             <a:r>
+              <a:rPr kumimoji="1" lang="ja-JP" altLang="en-US" sz="2400" dirty="0" smtClean="0">
+                <a:latin typeface="Courier New" pitchFamily="49" charset="0"/>
+                <a:cs typeface="Courier New" pitchFamily="49" charset="0"/>
+              </a:rPr>
+              <a:t>バースマーク</a:t>
+            </a:r>
+            <a:r>
+              <a:rPr kumimoji="1" lang="ja-JP" altLang="en-US" sz="2400" dirty="0" smtClean="0">
+                <a:latin typeface="+mn-ea"/>
+                <a:ea typeface="+mn-ea"/>
+                <a:cs typeface="Courier New" pitchFamily="49" charset="0"/>
+              </a:rPr>
+              <a:t>の</a:t>
+            </a:r>
+            <a:r>
+              <a:rPr kumimoji="1" lang="ja-JP" altLang="en-US" sz="2400" dirty="0" smtClean="0">
+                <a:ea typeface="+mn-ea"/>
+                <a:cs typeface="Courier New" pitchFamily="49" charset="0"/>
+              </a:rPr>
+              <a:t>実装例 </a:t>
+            </a:r>
+            <a:r>
+              <a:rPr kumimoji="1" lang="en-US" altLang="ja-JP" sz="2400" dirty="0" smtClean="0">
+                <a:ea typeface="+mn-ea"/>
+                <a:cs typeface="Courier New" pitchFamily="49" charset="0"/>
+              </a:rPr>
+              <a:t>(2/5)</a:t>
+            </a:r>
+            <a:r>
+              <a:rPr kumimoji="1" lang="en-US" altLang="ja-JP" sz="2400" dirty="0" smtClean="0">
+                <a:latin typeface="Courier New" pitchFamily="49" charset="0"/>
+                <a:cs typeface="Courier New" pitchFamily="49" charset="0"/>
+              </a:rPr>
+              <a:t/>
+            </a:r>
+            <a:br>
+              <a:rPr kumimoji="1" lang="en-US" altLang="ja-JP" sz="2400" dirty="0" smtClean="0">
+                <a:latin typeface="Courier New" pitchFamily="49" charset="0"/>
+                <a:cs typeface="Courier New" pitchFamily="49" charset="0"/>
+              </a:rPr>
+            </a:br>
+            <a:r>
               <a:rPr kumimoji="1" lang="en-US" altLang="ja-JP" sz="4000" dirty="0" err="1" smtClean="0">
                 <a:latin typeface="Courier New" pitchFamily="49" charset="0"/>
                 <a:cs typeface="Courier New" pitchFamily="49" charset="0"/>
@@ -8590,11 +10000,16 @@
         <p:spPr>
           <a:xfrm>
             <a:off x="595356" y="2132857"/>
-            <a:ext cx="8892988" cy="3323987"/>
+            <a:ext cx="8892988" cy="3754874"/>
           </a:xfrm>
           <a:prstGeom prst="rect">
             <a:avLst/>
           </a:prstGeom>
+          <a:ln>
+            <a:solidFill>
+              <a:schemeClr val="tx1"/>
+            </a:solidFill>
+          </a:ln>
         </p:spPr>
         <p:txBody>
           <a:bodyPr wrap="square">
@@ -8890,17 +10305,19 @@
               <a:t>getPreprocessor</a:t>
             </a:r>
             <a:r>
+              <a:rPr lang="en-US" altLang="ja-JP" sz="1400" dirty="0" smtClean="0">
+                <a:latin typeface="Courier New" pitchFamily="49" charset="0"/>
+                <a:cs typeface="Courier New" pitchFamily="49" charset="0"/>
+              </a:rPr>
+              <a:t>(){</a:t>
+            </a:r>
+          </a:p>
+          <a:p>
+            <a:r>
               <a:rPr lang="en-US" altLang="ja-JP" sz="1400" dirty="0">
                 <a:latin typeface="Courier New" pitchFamily="49" charset="0"/>
                 <a:cs typeface="Courier New" pitchFamily="49" charset="0"/>
               </a:rPr>
-              <a:t>(){ return null;</a:t>
-            </a:r>
-            <a:r>
-              <a:rPr lang="ja-JP" altLang="en-US" sz="1400" dirty="0">
-                <a:latin typeface="Courier New" pitchFamily="49" charset="0"/>
-                <a:cs typeface="Courier New" pitchFamily="49" charset="0"/>
-              </a:rPr>
               <a:t> </a:t>
             </a:r>
             <a:r>
@@ -8908,8 +10325,56 @@
                 <a:latin typeface="Courier New" pitchFamily="49" charset="0"/>
                 <a:cs typeface="Courier New" pitchFamily="49" charset="0"/>
               </a:rPr>
+              <a:t>   </a:t>
+            </a:r>
+            <a:r>
+              <a:rPr lang="en-US" altLang="ja-JP" sz="1400" dirty="0" smtClean="0">
+                <a:latin typeface="Courier New" pitchFamily="49" charset="0"/>
+                <a:cs typeface="Courier New" pitchFamily="49" charset="0"/>
+              </a:rPr>
+              <a:t>return </a:t>
+            </a:r>
+            <a:r>
+              <a:rPr lang="en-US" altLang="ja-JP" sz="1400" dirty="0">
+                <a:latin typeface="Courier New" pitchFamily="49" charset="0"/>
+                <a:cs typeface="Courier New" pitchFamily="49" charset="0"/>
+              </a:rPr>
+              <a:t>null</a:t>
+            </a:r>
+            <a:r>
+              <a:rPr lang="en-US" altLang="ja-JP" sz="1400" dirty="0" smtClean="0">
+                <a:latin typeface="Courier New" pitchFamily="49" charset="0"/>
+                <a:cs typeface="Courier New" pitchFamily="49" charset="0"/>
+              </a:rPr>
+              <a:t>;</a:t>
+            </a:r>
+          </a:p>
+          <a:p>
+            <a:r>
+              <a:rPr lang="en-US" altLang="ja-JP" sz="1400" dirty="0">
+                <a:latin typeface="Courier New" pitchFamily="49" charset="0"/>
+                <a:cs typeface="Courier New" pitchFamily="49" charset="0"/>
+              </a:rPr>
+              <a:t> </a:t>
+            </a:r>
+            <a:r>
+              <a:rPr lang="en-US" altLang="ja-JP" sz="1400" dirty="0" smtClean="0">
+                <a:latin typeface="Courier New" pitchFamily="49" charset="0"/>
+                <a:cs typeface="Courier New" pitchFamily="49" charset="0"/>
+              </a:rPr>
+              <a:t> </a:t>
+            </a:r>
+            <a:r>
+              <a:rPr lang="en-US" altLang="ja-JP" sz="1400" dirty="0" smtClean="0">
+                <a:latin typeface="Courier New" pitchFamily="49" charset="0"/>
+                <a:cs typeface="Courier New" pitchFamily="49" charset="0"/>
+              </a:rPr>
               <a:t>}</a:t>
             </a:r>
+            <a:endParaRPr lang="en-US" altLang="ja-JP" sz="1400" dirty="0" smtClean="0">
+              <a:latin typeface="Courier New" pitchFamily="49" charset="0"/>
+              <a:cs typeface="Courier New" pitchFamily="49" charset="0"/>
+            </a:endParaRPr>
           </a:p>
           <a:p>
             <a:r>
@@ -9175,6 +10640,21 @@
           <a:lstStyle/>
           <a:p>
             <a:r>
+              <a:rPr kumimoji="1" lang="ja-JP" altLang="en-US" sz="2400" dirty="0" smtClean="0"/>
+              <a:t>バースマークの実装例 </a:t>
+            </a:r>
+            <a:r>
+              <a:rPr kumimoji="1" lang="en-US" altLang="ja-JP" sz="2400" dirty="0" smtClean="0"/>
+              <a:t>(3/5)</a:t>
+            </a:r>
+            <a:r>
+              <a:rPr kumimoji="1" lang="en-US" altLang="ja-JP" dirty="0" smtClean="0"/>
+              <a:t/>
+            </a:r>
+            <a:br>
+              <a:rPr kumimoji="1" lang="en-US" altLang="ja-JP" dirty="0" smtClean="0"/>
+            </a:br>
+            <a:r>
               <a:rPr kumimoji="1" lang="en-US" altLang="ja-JP" dirty="0" err="1" smtClean="0"/>
               <a:t>BirthmarkExtractor</a:t>
             </a:r>
@@ -9210,7 +10690,10 @@
           <a:p>
             <a:pPr lvl="1"/>
             <a:r>
-              <a:rPr lang="en-US" altLang="ja-JP" dirty="0" err="1" smtClean="0"/>
+              <a:rPr lang="en-US" altLang="ja-JP" dirty="0" err="1" smtClean="0">
+                <a:latin typeface="Courier New" pitchFamily="49" charset="0"/>
+                <a:cs typeface="Courier New" pitchFamily="49" charset="0"/>
+              </a:rPr>
               <a:t>AbstractBirthmarkExtractor</a:t>
             </a:r>
             <a:r>
@@ -9218,7 +10701,10 @@
               <a:t>（</a:t>
             </a:r>
             <a:r>
-              <a:rPr lang="en-US" altLang="ja-JP" dirty="0" err="1" smtClean="0"/>
+              <a:rPr lang="en-US" altLang="ja-JP" dirty="0" err="1" smtClean="0">
+                <a:latin typeface="Courier New" pitchFamily="49" charset="0"/>
+                <a:cs typeface="Courier New" pitchFamily="49" charset="0"/>
+              </a:rPr>
               <a:t>jp.sourceforge.stigmata.birthmarks</a:t>
             </a:r>
             <a:r>
@@ -9238,7 +10724,10 @@
               <a:t>（バイトコード編集ライブラリ）を使って情報を抽出する場合は</a:t>
             </a:r>
             <a:r>
-              <a:rPr kumimoji="1" lang="en-US" altLang="ja-JP" dirty="0" err="1" smtClean="0"/>
+              <a:rPr kumimoji="1" lang="en-US" altLang="ja-JP" dirty="0" err="1" smtClean="0">
+                <a:latin typeface="Courier New" pitchFamily="49" charset="0"/>
+                <a:cs typeface="Courier New" pitchFamily="49" charset="0"/>
+              </a:rPr>
               <a:t>ASMBirthmarkExtractor</a:t>
             </a:r>
             <a:r>
@@ -9246,7 +10735,10 @@
               <a:t>を使い，</a:t>
             </a:r>
             <a:r>
-              <a:rPr kumimoji="1" lang="en-US" altLang="ja-JP" dirty="0" err="1" smtClean="0"/>
+              <a:rPr kumimoji="1" lang="en-US" altLang="ja-JP" dirty="0" err="1" smtClean="0">
+                <a:latin typeface="Courier New" pitchFamily="49" charset="0"/>
+                <a:cs typeface="Courier New" pitchFamily="49" charset="0"/>
+              </a:rPr>
               <a:t>BirthmarkExtractVisitor</a:t>
             </a:r>
             <a:r>
